--- a/documents/master_thesis/short_report.pptx
+++ b/documents/master_thesis/short_report.pptx
@@ -3104,35 +3104,8 @@
                 <a:latin typeface="+mj-lt"/>
                 <a:cs typeface="Arial" charset="0"/>
               </a:rPr>
-              <a:t> </a:t>
-            </a:r>
-            <a:r>
-              <a:rPr lang="de-DE" sz="3200" dirty="0" smtClean="0">
-                <a:solidFill>
-                  <a:srgbClr val="0065BD"/>
-                </a:solidFill>
-                <a:latin typeface="+mj-lt"/>
-                <a:cs typeface="Arial" charset="0"/>
-              </a:rPr>
-              <a:t>Embedding Load </a:t>
-            </a:r>
-            <a:r>
-              <a:rPr lang="de-DE" sz="3200" dirty="0" smtClean="0">
-                <a:solidFill>
-                  <a:srgbClr val="0065BD"/>
-                </a:solidFill>
-                <a:latin typeface="+mj-lt"/>
-                <a:cs typeface="Arial" charset="0"/>
-              </a:rPr>
-              <a:t>Flow zur Berechnung des deutschen Übertragungsnetzes</a:t>
-            </a:r>
-            <a:endParaRPr lang="de-DE" sz="3200" dirty="0" smtClean="0">
-              <a:solidFill>
-                <a:srgbClr val="0065BD"/>
-              </a:solidFill>
-              <a:latin typeface="+mj-lt"/>
-              <a:cs typeface="Arial" charset="0"/>
-            </a:endParaRPr>
+              <a:t> Embedding Load Flow zur Berechnung des deutschen Übertragungsnetzes</a:t>
+            </a:r>
           </a:p>
           <a:p>
             <a:pPr algn="ctr">
@@ -3178,21 +3151,8 @@
                   <a:schemeClr val="bg2"/>
                 </a:solidFill>
               </a:rPr>
-              <a:t>Kurzbericht </a:t>
-            </a:r>
-            <a:r>
-              <a:rPr lang="de-DE" altLang="de-DE" sz="2000" dirty="0" smtClean="0">
-                <a:solidFill>
-                  <a:schemeClr val="bg2"/>
-                </a:solidFill>
-              </a:rPr>
-              <a:t>Masterthesis</a:t>
-            </a:r>
-            <a:endParaRPr lang="de-DE" altLang="de-DE" sz="2000" dirty="0" smtClean="0">
-              <a:solidFill>
-                <a:schemeClr val="bg2"/>
-              </a:solidFill>
-            </a:endParaRPr>
+              <a:t>Kurzbericht Masterthesis</a:t>
+            </a:r>
           </a:p>
         </p:txBody>
       </p:sp>
@@ -3334,21 +3294,8 @@
             </a:r>
             <a:r>
               <a:rPr lang="de-DE" altLang="de-DE" dirty="0" smtClean="0"/>
-              <a:t> </a:t>
-            </a:r>
-            <a:r>
-              <a:rPr lang="de-DE" altLang="de-DE" dirty="0" smtClean="0"/>
-              <a:t>Embedding Load Flow (</a:t>
-            </a:r>
-            <a:r>
-              <a:rPr lang="de-DE" altLang="de-DE" dirty="0" smtClean="0"/>
-              <a:t>HELM</a:t>
-            </a:r>
-            <a:r>
-              <a:rPr lang="de-DE" altLang="de-DE" dirty="0" smtClean="0"/>
-              <a:t>) im Vergleich</a:t>
-            </a:r>
-            <a:endParaRPr lang="de-DE" altLang="de-DE" dirty="0" smtClean="0"/>
+              <a:t> Embedding Load Flow (HELM) im Vergleich</a:t>
+            </a:r>
           </a:p>
           <a:p>
             <a:pPr>
@@ -3360,7 +3307,6 @@
               <a:rPr lang="de-DE" altLang="de-DE" dirty="0" smtClean="0"/>
               <a:t>Algorithmus hinter HELM</a:t>
             </a:r>
-            <a:endParaRPr lang="de-DE" altLang="de-DE" dirty="0" smtClean="0"/>
           </a:p>
           <a:p>
             <a:pPr>
@@ -3372,7 +3318,6 @@
               <a:rPr lang="de-DE" altLang="de-DE" dirty="0" smtClean="0"/>
               <a:t>Berechnung des deutschen Übertragungsnetzes</a:t>
             </a:r>
-            <a:endParaRPr lang="de-DE" altLang="de-DE" dirty="0" smtClean="0"/>
           </a:p>
           <a:p>
             <a:pPr>
@@ -3384,7 +3329,6 @@
               <a:rPr lang="de-DE" altLang="de-DE" dirty="0" smtClean="0"/>
               <a:t>Zwischenstand</a:t>
             </a:r>
-            <a:endParaRPr lang="de-DE" altLang="de-DE" dirty="0" smtClean="0"/>
           </a:p>
         </p:txBody>
       </p:sp>
@@ -3572,15 +3516,7 @@
             </a:r>
             <a:r>
               <a:rPr lang="en-US" dirty="0" smtClean="0"/>
-              <a:t> von Holomorphic </a:t>
-            </a:r>
-            <a:r>
-              <a:rPr lang="en-US" dirty="0" smtClean="0"/>
-              <a:t>Embedding Load </a:t>
-            </a:r>
-            <a:r>
-              <a:rPr lang="en-US" dirty="0" smtClean="0"/>
-              <a:t>Flow </a:t>
+              <a:t> von Holomorphic Embedding Load Flow </a:t>
             </a:r>
             <a:r>
               <a:rPr lang="en-US" dirty="0" err="1" smtClean="0"/>
@@ -3665,7 +3601,6 @@
               <a:rPr lang="de-DE" altLang="de-DE" dirty="0" smtClean="0"/>
               <a:t>HELM im Vergleich</a:t>
             </a:r>
-            <a:endParaRPr lang="de-DE" altLang="de-DE" dirty="0" smtClean="0"/>
           </a:p>
         </p:txBody>
       </p:sp>
@@ -3782,7 +3717,6 @@
               <a:rPr lang="de-DE" altLang="de-DE" dirty="0" smtClean="0"/>
               <a:t> zwischen Genauigkeit und Rechenzeit</a:t>
             </a:r>
-            <a:endParaRPr lang="de-DE" altLang="de-DE" dirty="0" smtClean="0"/>
           </a:p>
           <a:p>
             <a:endParaRPr lang="de-DE" altLang="de-DE" dirty="0" smtClean="0"/>
@@ -4242,7 +4176,6 @@
               <a:rPr lang="de-DE" altLang="de-DE" dirty="0" smtClean="0"/>
               <a:t>Auswertung der Funktionen an s = 1</a:t>
             </a:r>
-            <a:endParaRPr lang="de-DE" altLang="de-DE" dirty="0" smtClean="0"/>
           </a:p>
           <a:p>
             <a:endParaRPr lang="de-DE" altLang="de-DE" dirty="0" smtClean="0"/>
@@ -4268,7 +4201,6 @@
               <a:rPr lang="de-DE" altLang="de-DE" dirty="0" smtClean="0"/>
               <a:t>Algorithmus hinter HELM</a:t>
             </a:r>
-            <a:endParaRPr lang="de-DE" altLang="de-DE" dirty="0" smtClean="0"/>
           </a:p>
         </p:txBody>
       </p:sp>
@@ -4588,8 +4520,13 @@
           <a:p>
             <a:r>
               <a:rPr lang="de-DE" altLang="de-DE" dirty="0" smtClean="0"/>
-              <a:t>Implementierung von HELM bisher nur HELM-Flow</a:t>
-            </a:r>
+              <a:t>Implementierung von HELM bisher nur </a:t>
+            </a:r>
+            <a:r>
+              <a:rPr lang="de-DE" altLang="de-DE" dirty="0" smtClean="0"/>
+              <a:t>in HELM-Flow</a:t>
+            </a:r>
+            <a:endParaRPr lang="de-DE" altLang="de-DE" dirty="0" smtClean="0"/>
           </a:p>
           <a:p>
             <a:r>
@@ -4601,15 +4538,15 @@
             <a:pPr lvl="1"/>
             <a:r>
               <a:rPr lang="de-DE" altLang="de-DE" dirty="0" smtClean="0"/>
-              <a:t>Einlesen von </a:t>
-            </a:r>
-            <a:r>
-              <a:rPr lang="de-DE" altLang="de-DE" dirty="0" err="1" smtClean="0"/>
-              <a:t>von</a:t>
+              <a:t>Einlesen </a:t>
             </a:r>
             <a:r>
               <a:rPr lang="de-DE" altLang="de-DE" dirty="0" smtClean="0"/>
-              <a:t> PSS SINCAL Netzen</a:t>
+              <a:t>von PSS </a:t>
+            </a:r>
+            <a:r>
+              <a:rPr lang="de-DE" altLang="de-DE" dirty="0" smtClean="0"/>
+              <a:t>SINCAL Netzen</a:t>
             </a:r>
           </a:p>
           <a:p>

--- a/documents/master_thesis/short_report.pptx
+++ b/documents/master_thesis/short_report.pptx
@@ -1183,7 +1183,7 @@
               <a:pPr>
                 <a:defRPr/>
               </a:pPr>
-              <a:t>01.11.2014</a:t>
+              <a:t>05.11.2014</a:t>
             </a:fld>
             <a:endParaRPr lang="de-DE" dirty="0"/>
           </a:p>
@@ -1589,7 +1589,7 @@
               <a:pPr>
                 <a:defRPr/>
               </a:pPr>
-              <a:t>01.11.2014</a:t>
+              <a:t>05.11.2014</a:t>
             </a:fld>
             <a:endParaRPr lang="de-DE" dirty="0"/>
           </a:p>
@@ -1943,7 +1943,7 @@
               <a:pPr>
                 <a:defRPr/>
               </a:pPr>
-              <a:t>01.11.2014</a:t>
+              <a:t>05.11.2014</a:t>
             </a:fld>
             <a:endParaRPr lang="de-DE" dirty="0"/>
           </a:p>
@@ -2940,7 +2940,7 @@
         <p:spPr bwMode="auto">
           <a:xfrm>
             <a:off x="679450" y="2106613"/>
-            <a:ext cx="7786688" cy="1752600"/>
+            <a:ext cx="7786688" cy="1152781"/>
           </a:xfrm>
           <a:prstGeom prst="rect">
             <a:avLst/>
@@ -3084,7 +3084,7 @@
                 <a:latin typeface="+mj-lt"/>
                 <a:cs typeface="Arial" charset="0"/>
               </a:rPr>
-              <a:t>Einsatz von </a:t>
+              <a:t>Implementierung und Evaluierung von </a:t>
             </a:r>
             <a:r>
               <a:rPr lang="de-DE" sz="3200" dirty="0" err="1" smtClean="0">
@@ -3104,16 +3104,8 @@
                 <a:latin typeface="+mj-lt"/>
                 <a:cs typeface="Arial" charset="0"/>
               </a:rPr>
-              <a:t> Embedding Load Flow zur Berechnung des deutschen Übertragungsnetzes</a:t>
-            </a:r>
-          </a:p>
-          <a:p>
-            <a:pPr algn="ctr">
-              <a:spcBef>
-                <a:spcPct val="20000"/>
-              </a:spcBef>
-              <a:defRPr/>
-            </a:pPr>
+              <a:t> Embedding Load Flow</a:t>
+            </a:r>
             <a:endParaRPr lang="de-DE" sz="3200" dirty="0" smtClean="0">
               <a:solidFill>
                 <a:srgbClr val="0065BD"/>
@@ -3355,7 +3347,7 @@
               <a:pPr>
                 <a:defRPr/>
               </a:pPr>
-              <a:t>01.11.2014</a:t>
+              <a:t>05.11.2014</a:t>
             </a:fld>
             <a:endParaRPr lang="de-DE" dirty="0"/>
           </a:p>
@@ -3512,39 +3504,27 @@
             </a:pPr>
             <a:r>
               <a:rPr lang="en-US" dirty="0" err="1" smtClean="0"/>
-              <a:t>Einsatz</a:t>
+              <a:t>Implementierung</a:t>
             </a:r>
             <a:r>
               <a:rPr lang="en-US" dirty="0" smtClean="0"/>
-              <a:t> von Holomorphic Embedding Load Flow </a:t>
+              <a:t> und </a:t>
             </a:r>
             <a:r>
               <a:rPr lang="en-US" dirty="0" err="1" smtClean="0"/>
-              <a:t>zur</a:t>
+              <a:t>Evaluierung</a:t>
             </a:r>
             <a:r>
               <a:rPr lang="en-US" dirty="0" smtClean="0"/>
               <a:t> </a:t>
             </a:r>
             <a:r>
-              <a:rPr lang="en-US" dirty="0" err="1" smtClean="0"/>
-              <a:t>Berechnung</a:t>
-            </a:r>
-            <a:r>
               <a:rPr lang="en-US" dirty="0" smtClean="0"/>
-              <a:t> des </a:t>
-            </a:r>
-            <a:r>
-              <a:rPr lang="en-US" dirty="0" err="1" smtClean="0"/>
-              <a:t>deuschen</a:t>
+              <a:t>von Holomorphic Embedding Load </a:t>
             </a:r>
             <a:r>
               <a:rPr lang="en-US" dirty="0" smtClean="0"/>
-              <a:t> </a:t>
-            </a:r>
-            <a:r>
-              <a:rPr lang="en-US" dirty="0" err="1" smtClean="0"/>
-              <a:t>Übertragungsnetzes</a:t>
+              <a:t>Flow</a:t>
             </a:r>
             <a:endParaRPr lang="de-DE" dirty="0"/>
           </a:p>
@@ -3746,7 +3726,7 @@
               <a:pPr>
                 <a:defRPr/>
               </a:pPr>
-              <a:t>01.11.2014</a:t>
+              <a:t>05.11.2014</a:t>
             </a:fld>
             <a:endParaRPr lang="de-DE" dirty="0"/>
           </a:p>
@@ -3885,7 +3865,7 @@
       </p:sp>
       <p:sp>
         <p:nvSpPr>
-          <p:cNvPr id="6" name="Fußzeilenplatzhalter 5"/>
+          <p:cNvPr id="7" name="Fußzeilenplatzhalter 5"/>
           <p:cNvSpPr>
             <a:spLocks noGrp="1"/>
           </p:cNvSpPr>
@@ -3893,7 +3873,12 @@
             <p:ph type="ftr" sz="quarter" idx="12"/>
           </p:nvPr>
         </p:nvSpPr>
-        <p:spPr/>
+        <p:spPr>
+          <a:xfrm>
+            <a:off x="1755775" y="6400800"/>
+            <a:ext cx="6327775" cy="304800"/>
+          </a:xfrm>
+        </p:spPr>
         <p:txBody>
           <a:bodyPr/>
           <a:lstStyle/>
@@ -3902,40 +3887,28 @@
               <a:defRPr/>
             </a:pPr>
             <a:r>
-              <a:rPr lang="en-US" dirty="0" err="1"/>
-              <a:t>Einsatz</a:t>
-            </a:r>
-            <a:r>
-              <a:rPr lang="en-US" dirty="0"/>
-              <a:t> von Holomorphic Embedding Load Flow </a:t>
-            </a:r>
-            <a:r>
-              <a:rPr lang="en-US" dirty="0" err="1"/>
-              <a:t>zur</a:t>
-            </a:r>
-            <a:r>
-              <a:rPr lang="en-US" dirty="0"/>
+              <a:rPr lang="en-US" dirty="0" err="1" smtClean="0"/>
+              <a:t>Implementierung</a:t>
+            </a:r>
+            <a:r>
+              <a:rPr lang="en-US" dirty="0" smtClean="0"/>
+              <a:t> und </a:t>
+            </a:r>
+            <a:r>
+              <a:rPr lang="en-US" dirty="0" err="1" smtClean="0"/>
+              <a:t>Evaluierung</a:t>
+            </a:r>
+            <a:r>
+              <a:rPr lang="en-US" dirty="0" smtClean="0"/>
               <a:t> </a:t>
             </a:r>
             <a:r>
-              <a:rPr lang="en-US" dirty="0" err="1"/>
-              <a:t>Berechnung</a:t>
-            </a:r>
-            <a:r>
-              <a:rPr lang="en-US" dirty="0"/>
-              <a:t> des </a:t>
-            </a:r>
-            <a:r>
-              <a:rPr lang="en-US" dirty="0" err="1"/>
-              <a:t>deuschen</a:t>
-            </a:r>
-            <a:r>
-              <a:rPr lang="en-US" dirty="0"/>
-              <a:t> </a:t>
-            </a:r>
-            <a:r>
-              <a:rPr lang="en-US" dirty="0" err="1" smtClean="0"/>
-              <a:t>Übertragungsnetzes</a:t>
+              <a:rPr lang="en-US" dirty="0" smtClean="0"/>
+              <a:t>von Holomorphic Embedding Load </a:t>
+            </a:r>
+            <a:r>
+              <a:rPr lang="en-US" dirty="0" smtClean="0"/>
+              <a:t>Flow</a:t>
             </a:r>
             <a:endParaRPr lang="de-DE" dirty="0"/>
           </a:p>
@@ -4227,7 +4200,7 @@
               <a:pPr>
                 <a:defRPr/>
               </a:pPr>
-              <a:t>01.11.2014</a:t>
+              <a:t>05.11.2014</a:t>
             </a:fld>
             <a:endParaRPr lang="de-DE" dirty="0"/>
           </a:p>
@@ -4366,7 +4339,7 @@
       </p:sp>
       <p:sp>
         <p:nvSpPr>
-          <p:cNvPr id="6" name="Fußzeilenplatzhalter 5"/>
+          <p:cNvPr id="12" name="Fußzeilenplatzhalter 5"/>
           <p:cNvSpPr>
             <a:spLocks noGrp="1"/>
           </p:cNvSpPr>
@@ -4374,7 +4347,12 @@
             <p:ph type="ftr" sz="quarter" idx="12"/>
           </p:nvPr>
         </p:nvSpPr>
-        <p:spPr/>
+        <p:spPr>
+          <a:xfrm>
+            <a:off x="1755775" y="6400800"/>
+            <a:ext cx="6327775" cy="304800"/>
+          </a:xfrm>
+        </p:spPr>
         <p:txBody>
           <a:bodyPr/>
           <a:lstStyle/>
@@ -4383,40 +4361,28 @@
               <a:defRPr/>
             </a:pPr>
             <a:r>
-              <a:rPr lang="en-US" dirty="0" err="1"/>
-              <a:t>Einsatz</a:t>
-            </a:r>
-            <a:r>
-              <a:rPr lang="en-US" dirty="0"/>
-              <a:t> von Holomorphic Embedding Load Flow </a:t>
-            </a:r>
-            <a:r>
-              <a:rPr lang="en-US" dirty="0" err="1"/>
-              <a:t>zur</a:t>
-            </a:r>
-            <a:r>
-              <a:rPr lang="en-US" dirty="0"/>
+              <a:rPr lang="en-US" dirty="0" err="1" smtClean="0"/>
+              <a:t>Implementierung</a:t>
+            </a:r>
+            <a:r>
+              <a:rPr lang="en-US" dirty="0" smtClean="0"/>
+              <a:t> und </a:t>
+            </a:r>
+            <a:r>
+              <a:rPr lang="en-US" dirty="0" err="1" smtClean="0"/>
+              <a:t>Evaluierung</a:t>
+            </a:r>
+            <a:r>
+              <a:rPr lang="en-US" dirty="0" smtClean="0"/>
               <a:t> </a:t>
             </a:r>
             <a:r>
-              <a:rPr lang="en-US" dirty="0" err="1"/>
-              <a:t>Berechnung</a:t>
-            </a:r>
-            <a:r>
-              <a:rPr lang="en-US" dirty="0"/>
-              <a:t> des </a:t>
-            </a:r>
-            <a:r>
-              <a:rPr lang="en-US" dirty="0" err="1"/>
-              <a:t>deuschen</a:t>
-            </a:r>
-            <a:r>
-              <a:rPr lang="en-US" dirty="0"/>
-              <a:t> </a:t>
-            </a:r>
-            <a:r>
-              <a:rPr lang="en-US" dirty="0" err="1" smtClean="0"/>
-              <a:t>Übertragungsnetzes</a:t>
+              <a:rPr lang="en-US" dirty="0" smtClean="0"/>
+              <a:t>von Holomorphic Embedding Load </a:t>
+            </a:r>
+            <a:r>
+              <a:rPr lang="en-US" dirty="0" smtClean="0"/>
+              <a:t>Flow</a:t>
             </a:r>
             <a:endParaRPr lang="de-DE" dirty="0"/>
           </a:p>
@@ -4514,17 +4480,22 @@
           <a:p>
             <a:r>
               <a:rPr lang="de-DE" altLang="de-DE" dirty="0" smtClean="0"/>
-              <a:t>Iterative Verfahren konvergieren nicht</a:t>
-            </a:r>
-          </a:p>
-          <a:p>
+              <a:t>Iterative Verfahren konvergieren </a:t>
+            </a:r>
             <a:r>
               <a:rPr lang="de-DE" altLang="de-DE" dirty="0" smtClean="0"/>
-              <a:t>Implementierung von HELM bisher nur </a:t>
-            </a:r>
+              <a:t>für den vorliegenden Lastfall nicht</a:t>
+            </a:r>
+            <a:endParaRPr lang="de-DE" altLang="de-DE" dirty="0" smtClean="0"/>
+          </a:p>
+          <a:p>
             <a:r>
               <a:rPr lang="de-DE" altLang="de-DE" dirty="0" smtClean="0"/>
-              <a:t>in HELM-Flow</a:t>
+              <a:t>Implementierung von HELM bisher nur in </a:t>
+            </a:r>
+            <a:r>
+              <a:rPr lang="de-DE" altLang="de-DE" dirty="0" smtClean="0"/>
+              <a:t>der kommerziellen Anwendung HELM-Flow</a:t>
             </a:r>
             <a:endParaRPr lang="de-DE" altLang="de-DE" dirty="0" smtClean="0"/>
           </a:p>
@@ -4538,15 +4509,7 @@
             <a:pPr lvl="1"/>
             <a:r>
               <a:rPr lang="de-DE" altLang="de-DE" dirty="0" smtClean="0"/>
-              <a:t>Einlesen </a:t>
-            </a:r>
-            <a:r>
-              <a:rPr lang="de-DE" altLang="de-DE" dirty="0" smtClean="0"/>
-              <a:t>von PSS </a:t>
-            </a:r>
-            <a:r>
-              <a:rPr lang="de-DE" altLang="de-DE" dirty="0" smtClean="0"/>
-              <a:t>SINCAL Netzen</a:t>
+              <a:t>Einlesen von PSS SINCAL Netzen</a:t>
             </a:r>
           </a:p>
           <a:p>
@@ -4595,7 +4558,7 @@
               <a:pPr>
                 <a:defRPr/>
               </a:pPr>
-              <a:t>01.11.2014</a:t>
+              <a:t>05.11.2014</a:t>
             </a:fld>
             <a:endParaRPr lang="de-DE" dirty="0"/>
           </a:p>
@@ -4734,7 +4697,7 @@
       </p:sp>
       <p:sp>
         <p:nvSpPr>
-          <p:cNvPr id="6" name="Fußzeilenplatzhalter 5"/>
+          <p:cNvPr id="7" name="Fußzeilenplatzhalter 5"/>
           <p:cNvSpPr>
             <a:spLocks noGrp="1"/>
           </p:cNvSpPr>
@@ -4742,7 +4705,12 @@
             <p:ph type="ftr" sz="quarter" idx="12"/>
           </p:nvPr>
         </p:nvSpPr>
-        <p:spPr/>
+        <p:spPr>
+          <a:xfrm>
+            <a:off x="1755775" y="6400800"/>
+            <a:ext cx="6327775" cy="304800"/>
+          </a:xfrm>
+        </p:spPr>
         <p:txBody>
           <a:bodyPr/>
           <a:lstStyle/>
@@ -4751,40 +4719,28 @@
               <a:defRPr/>
             </a:pPr>
             <a:r>
-              <a:rPr lang="en-US" dirty="0" err="1"/>
-              <a:t>Einsatz</a:t>
-            </a:r>
-            <a:r>
-              <a:rPr lang="en-US" dirty="0"/>
-              <a:t> von Holomorphic Embedding Load Flow </a:t>
-            </a:r>
-            <a:r>
-              <a:rPr lang="en-US" dirty="0" err="1"/>
-              <a:t>zur</a:t>
-            </a:r>
-            <a:r>
-              <a:rPr lang="en-US" dirty="0"/>
+              <a:rPr lang="en-US" dirty="0" err="1" smtClean="0"/>
+              <a:t>Implementierung</a:t>
+            </a:r>
+            <a:r>
+              <a:rPr lang="en-US" dirty="0" smtClean="0"/>
+              <a:t> und </a:t>
+            </a:r>
+            <a:r>
+              <a:rPr lang="en-US" dirty="0" err="1" smtClean="0"/>
+              <a:t>Evaluierung</a:t>
+            </a:r>
+            <a:r>
+              <a:rPr lang="en-US" dirty="0" smtClean="0"/>
               <a:t> </a:t>
             </a:r>
             <a:r>
-              <a:rPr lang="en-US" dirty="0" err="1"/>
-              <a:t>Berechnung</a:t>
-            </a:r>
-            <a:r>
-              <a:rPr lang="en-US" dirty="0"/>
-              <a:t> des </a:t>
-            </a:r>
-            <a:r>
-              <a:rPr lang="en-US" dirty="0" err="1"/>
-              <a:t>deuschen</a:t>
-            </a:r>
-            <a:r>
-              <a:rPr lang="en-US" dirty="0"/>
-              <a:t> </a:t>
-            </a:r>
-            <a:r>
-              <a:rPr lang="en-US" dirty="0" err="1" smtClean="0"/>
-              <a:t>Übertragungsnetzes</a:t>
+              <a:rPr lang="en-US" dirty="0" smtClean="0"/>
+              <a:t>von Holomorphic Embedding Load </a:t>
+            </a:r>
+            <a:r>
+              <a:rPr lang="en-US" dirty="0" smtClean="0"/>
+              <a:t>Flow</a:t>
             </a:r>
             <a:endParaRPr lang="de-DE" dirty="0"/>
           </a:p>
@@ -4966,7 +4922,7 @@
               <a:pPr>
                 <a:defRPr/>
               </a:pPr>
-              <a:t>01.11.2014</a:t>
+              <a:t>05.11.2014</a:t>
             </a:fld>
             <a:endParaRPr lang="de-DE" dirty="0"/>
           </a:p>
@@ -5105,7 +5061,7 @@
       </p:sp>
       <p:sp>
         <p:nvSpPr>
-          <p:cNvPr id="6" name="Fußzeilenplatzhalter 5"/>
+          <p:cNvPr id="7" name="Fußzeilenplatzhalter 5"/>
           <p:cNvSpPr>
             <a:spLocks noGrp="1"/>
           </p:cNvSpPr>
@@ -5113,7 +5069,12 @@
             <p:ph type="ftr" sz="quarter" idx="12"/>
           </p:nvPr>
         </p:nvSpPr>
-        <p:spPr/>
+        <p:spPr>
+          <a:xfrm>
+            <a:off x="1755775" y="6400800"/>
+            <a:ext cx="6327775" cy="304800"/>
+          </a:xfrm>
+        </p:spPr>
         <p:txBody>
           <a:bodyPr/>
           <a:lstStyle/>
@@ -5122,40 +5083,28 @@
               <a:defRPr/>
             </a:pPr>
             <a:r>
-              <a:rPr lang="en-US" dirty="0" err="1"/>
-              <a:t>Einsatz</a:t>
-            </a:r>
-            <a:r>
-              <a:rPr lang="en-US" dirty="0"/>
-              <a:t> von Holomorphic Embedding Load Flow </a:t>
-            </a:r>
-            <a:r>
-              <a:rPr lang="en-US" dirty="0" err="1"/>
-              <a:t>zur</a:t>
-            </a:r>
-            <a:r>
-              <a:rPr lang="en-US" dirty="0"/>
+              <a:rPr lang="en-US" dirty="0" err="1" smtClean="0"/>
+              <a:t>Implementierung</a:t>
+            </a:r>
+            <a:r>
+              <a:rPr lang="en-US" dirty="0" smtClean="0"/>
+              <a:t> und </a:t>
+            </a:r>
+            <a:r>
+              <a:rPr lang="en-US" dirty="0" err="1" smtClean="0"/>
+              <a:t>Evaluierung</a:t>
+            </a:r>
+            <a:r>
+              <a:rPr lang="en-US" dirty="0" smtClean="0"/>
               <a:t> </a:t>
             </a:r>
             <a:r>
-              <a:rPr lang="en-US" dirty="0" err="1"/>
-              <a:t>Berechnung</a:t>
-            </a:r>
-            <a:r>
-              <a:rPr lang="en-US" dirty="0"/>
-              <a:t> des </a:t>
-            </a:r>
-            <a:r>
-              <a:rPr lang="en-US" dirty="0" err="1"/>
-              <a:t>deuschen</a:t>
-            </a:r>
-            <a:r>
-              <a:rPr lang="en-US" dirty="0"/>
-              <a:t> </a:t>
-            </a:r>
-            <a:r>
-              <a:rPr lang="en-US" dirty="0" err="1" smtClean="0"/>
-              <a:t>Übertragungsnetzes</a:t>
+              <a:rPr lang="en-US" dirty="0" smtClean="0"/>
+              <a:t>von Holomorphic Embedding Load </a:t>
+            </a:r>
+            <a:r>
+              <a:rPr lang="en-US" dirty="0" smtClean="0"/>
+              <a:t>Flow</a:t>
             </a:r>
             <a:endParaRPr lang="de-DE" dirty="0"/>
           </a:p>
@@ -5221,7 +5170,7 @@
               <a:pPr>
                 <a:defRPr/>
               </a:pPr>
-              <a:t>01.11.2014</a:t>
+              <a:t>05.11.2014</a:t>
             </a:fld>
             <a:endParaRPr lang="de-DE" dirty="0"/>
           </a:p>
@@ -5355,64 +5304,6 @@
               </a:solidFill>
               <a:latin typeface="TUM Neue Helvetica 55 Regular" pitchFamily="34" charset="0"/>
             </a:endParaRPr>
-          </a:p>
-        </p:txBody>
-      </p:sp>
-      <p:sp>
-        <p:nvSpPr>
-          <p:cNvPr id="6" name="Fußzeilenplatzhalter 5"/>
-          <p:cNvSpPr>
-            <a:spLocks noGrp="1"/>
-          </p:cNvSpPr>
-          <p:nvPr>
-            <p:ph type="ftr" sz="quarter" idx="12"/>
-          </p:nvPr>
-        </p:nvSpPr>
-        <p:spPr/>
-        <p:txBody>
-          <a:bodyPr/>
-          <a:lstStyle/>
-          <a:p>
-            <a:pPr>
-              <a:defRPr/>
-            </a:pPr>
-            <a:r>
-              <a:rPr lang="en-US" dirty="0" err="1"/>
-              <a:t>Einsatz</a:t>
-            </a:r>
-            <a:r>
-              <a:rPr lang="en-US" dirty="0"/>
-              <a:t> von Holomorphic Embedding Load Flow </a:t>
-            </a:r>
-            <a:r>
-              <a:rPr lang="en-US" dirty="0" err="1"/>
-              <a:t>zur</a:t>
-            </a:r>
-            <a:r>
-              <a:rPr lang="en-US" dirty="0"/>
-              <a:t> </a:t>
-            </a:r>
-            <a:r>
-              <a:rPr lang="en-US" dirty="0" err="1"/>
-              <a:t>Berechnung</a:t>
-            </a:r>
-            <a:r>
-              <a:rPr lang="en-US" dirty="0"/>
-              <a:t> des </a:t>
-            </a:r>
-            <a:r>
-              <a:rPr lang="en-US" dirty="0" err="1"/>
-              <a:t>deuschen</a:t>
-            </a:r>
-            <a:r>
-              <a:rPr lang="en-US" dirty="0"/>
-              <a:t> </a:t>
-            </a:r>
-            <a:r>
-              <a:rPr lang="en-US" dirty="0" err="1" smtClean="0"/>
-              <a:t>Übertragungsnetzes</a:t>
-            </a:r>
-            <a:endParaRPr lang="de-DE" dirty="0"/>
           </a:p>
         </p:txBody>
       </p:sp>
@@ -5606,6 +5497,57 @@
               <a:rPr lang="de-DE" altLang="de-DE" sz="3200" kern="0" dirty="0" smtClean="0"/>
             </a:br>
             <a:endParaRPr lang="de-DE" altLang="de-DE" sz="3200" kern="0" dirty="0" smtClean="0"/>
+          </a:p>
+        </p:txBody>
+      </p:sp>
+      <p:sp>
+        <p:nvSpPr>
+          <p:cNvPr id="8" name="Fußzeilenplatzhalter 5"/>
+          <p:cNvSpPr>
+            <a:spLocks noGrp="1"/>
+          </p:cNvSpPr>
+          <p:nvPr>
+            <p:ph type="ftr" sz="quarter" idx="12"/>
+          </p:nvPr>
+        </p:nvSpPr>
+        <p:spPr>
+          <a:xfrm>
+            <a:off x="1755775" y="6400800"/>
+            <a:ext cx="6327775" cy="304800"/>
+          </a:xfrm>
+        </p:spPr>
+        <p:txBody>
+          <a:bodyPr/>
+          <a:lstStyle/>
+          <a:p>
+            <a:pPr>
+              <a:defRPr/>
+            </a:pPr>
+            <a:r>
+              <a:rPr lang="en-US" dirty="0" err="1" smtClean="0"/>
+              <a:t>Implementierung</a:t>
+            </a:r>
+            <a:r>
+              <a:rPr lang="en-US" dirty="0" smtClean="0"/>
+              <a:t> und </a:t>
+            </a:r>
+            <a:r>
+              <a:rPr lang="en-US" dirty="0" err="1" smtClean="0"/>
+              <a:t>Evaluierung</a:t>
+            </a:r>
+            <a:r>
+              <a:rPr lang="en-US" dirty="0" smtClean="0"/>
+              <a:t> </a:t>
+            </a:r>
+            <a:r>
+              <a:rPr lang="en-US" dirty="0" smtClean="0"/>
+              <a:t>von Holomorphic Embedding Load </a:t>
+            </a:r>
+            <a:r>
+              <a:rPr lang="en-US" dirty="0" smtClean="0"/>
+              <a:t>Flow</a:t>
+            </a:r>
+            <a:endParaRPr lang="de-DE" dirty="0"/>
           </a:p>
         </p:txBody>
       </p:sp>
